--- a/investigations/MultiDimensionalInvestigation/presentation/distributed_data_reduction_of_multi_dimensional_data.pptx
+++ b/investigations/MultiDimensionalInvestigation/presentation/distributed_data_reduction_of_multi_dimensional_data.pptx
@@ -5,7 +5,7 @@
     <p:sldMasterId id="2147483684" r:id="rId5"/>
   </p:sldMasterIdLst>
   <p:notesMasterIdLst>
-    <p:notesMasterId r:id="rId34"/>
+    <p:notesMasterId r:id="rId35"/>
   </p:notesMasterIdLst>
   <p:sldIdLst>
     <p:sldId id="405" r:id="rId6"/>
@@ -36,6 +36,7 @@
     <p:sldId id="428" r:id="rId31"/>
     <p:sldId id="431" r:id="rId32"/>
     <p:sldId id="434" r:id="rId33"/>
+    <p:sldId id="436" r:id="rId34"/>
   </p:sldIdLst>
   <p:sldSz cx="9144000" cy="6858000" type="screen4x3"/>
   <p:notesSz cx="6797675" cy="9928225"/>
@@ -3432,7 +3433,6 @@
               <a:rPr lang="en-GB" sz="2000" dirty="0" smtClean="0"/>
               <a:t>to each other. </a:t>
             </a:r>
-            <a:endParaRPr lang="en-GB" sz="2000" dirty="0" smtClean="0"/>
           </a:p>
           <a:p>
             <a:pPr marL="0" indent="0">
@@ -4855,11 +4855,7 @@
             </a:r>
             <a:r>
               <a:rPr lang="en-GB" sz="2000" dirty="0" smtClean="0"/>
-              <a:t>multi-dimensional (MD) </a:t>
-            </a:r>
-            <a:r>
-              <a:rPr lang="en-GB" sz="2000" dirty="0" smtClean="0"/>
-              <a:t>space </a:t>
+              <a:t>multi-dimensional (MD) space </a:t>
             </a:r>
             <a:r>
               <a:rPr lang="en-GB" sz="2000" dirty="0"/>
@@ -5150,19 +5146,7 @@
             </a:br>
             <a:r>
               <a:rPr lang="en-GB" sz="2000" dirty="0" smtClean="0"/>
-              <a:t>Meta data stored in the boxes </a:t>
-            </a:r>
-            <a:r>
-              <a:rPr lang="en-GB" sz="2000" dirty="0" smtClean="0"/>
-              <a:t>which indicates where in a Nexus file a box needs to be stored. At this point it will not be </a:t>
-            </a:r>
-            <a:r>
-              <a:rPr lang="en-GB" sz="2000" dirty="0" smtClean="0"/>
-              <a:t>consistent between </a:t>
-            </a:r>
-            <a:r>
-              <a:rPr lang="en-GB" sz="2000" dirty="0" smtClean="0"/>
-              <a:t>ranks</a:t>
+              <a:t>Meta data stored in the boxes which indicates where in a Nexus file a box needs to be stored. At this point it will not be consistent between ranks</a:t>
             </a:r>
             <a:r>
               <a:rPr lang="en-GB" sz="2000" dirty="0"/>
@@ -5170,15 +5154,7 @@
             </a:r>
             <a:r>
               <a:rPr lang="en-GB" sz="2000" dirty="0" smtClean="0"/>
-              <a:t>at this point.</a:t>
-            </a:r>
-            <a:r>
-              <a:rPr lang="en-GB" sz="2000" dirty="0" smtClean="0"/>
-              <a:t>  </a:t>
-            </a:r>
-            <a:r>
-              <a:rPr lang="en-GB" sz="2000" dirty="0" smtClean="0"/>
-              <a:t>This inconsistency needs to be updated.</a:t>
+              <a:t>at this point.  This inconsistency needs to be updated.</a:t>
             </a:r>
           </a:p>
           <a:p>
@@ -5190,11 +5166,7 @@
           <a:p>
             <a:r>
               <a:rPr lang="en-GB" sz="2000" b="1" dirty="0" smtClean="0"/>
-              <a:t>Parallel save to </a:t>
-            </a:r>
-            <a:r>
-              <a:rPr lang="en-GB" sz="2000" b="1" dirty="0" smtClean="0"/>
-              <a:t>HDF5 file </a:t>
+              <a:t>Parallel save to HDF5 file </a:t>
             </a:r>
             <a:br>
               <a:rPr lang="en-GB" sz="2000" b="1" dirty="0" smtClean="0"/>
@@ -5894,6 +5866,13 @@
   <p:clrMapOvr>
     <a:masterClrMapping/>
   </p:clrMapOvr>
+  <p:timing>
+    <p:tnLst>
+      <p:par>
+        <p:cTn id="1" dur="indefinite" restart="never" nodeType="tmRoot"/>
+      </p:par>
+    </p:tnLst>
+  </p:timing>
 </p:sld>
 </file>
 
@@ -6133,11 +6112,7 @@
             </a:r>
             <a:r>
               <a:rPr lang="en-GB" sz="2000" dirty="0" smtClean="0"/>
-              <a:t>0GB+ </a:t>
-            </a:r>
-            <a:r>
-              <a:rPr lang="en-GB" sz="2000" dirty="0" smtClean="0"/>
-              <a:t>files in </a:t>
+              <a:t>0GB+ files in </a:t>
             </a:r>
             <a:r>
               <a:rPr lang="en-GB" sz="2000" dirty="0" err="1" smtClean="0"/>
@@ -6171,13 +6146,7 @@
               <a:rPr lang="en-GB" sz="2000" dirty="0" smtClean="0">
                 <a:sym typeface="Wingdings" panose="05000000000000000000" pitchFamily="2" charset="2"/>
               </a:rPr>
-              <a:t> </a:t>
-            </a:r>
-            <a:r>
-              <a:rPr lang="en-GB" sz="2000" dirty="0" smtClean="0">
-                <a:sym typeface="Wingdings" panose="05000000000000000000" pitchFamily="2" charset="2"/>
-              </a:rPr>
-              <a:t>determine, based number of events in the view area, if </a:t>
+              <a:t> determine, based number of events in the view area, if </a:t>
             </a:r>
             <a:r>
               <a:rPr lang="en-GB" sz="2000" dirty="0" err="1" smtClean="0">
@@ -6349,19 +6318,7 @@
           <a:p>
             <a:r>
               <a:rPr lang="en-GB" sz="2000" dirty="0" smtClean="0"/>
-              <a:t>Run </a:t>
-            </a:r>
-            <a:r>
-              <a:rPr lang="en-GB" sz="2000" dirty="0" smtClean="0"/>
-              <a:t>stress tests on very </a:t>
-            </a:r>
-            <a:r>
-              <a:rPr lang="en-GB" sz="2000" dirty="0" smtClean="0"/>
-              <a:t>large data </a:t>
-            </a:r>
-            <a:r>
-              <a:rPr lang="en-GB" sz="2000" dirty="0" smtClean="0"/>
-              <a:t>sets </a:t>
+              <a:t>Run stress tests on very large data sets </a:t>
             </a:r>
             <a:r>
               <a:rPr lang="en-GB" sz="2000" dirty="0" smtClean="0">
@@ -6377,7 +6334,6 @@
               <a:rPr lang="en-GB" sz="1800" dirty="0" smtClean="0"/>
               <a:t>Multiplied data sets</a:t>
             </a:r>
-            <a:endParaRPr lang="en-GB" sz="1800" dirty="0" smtClean="0"/>
           </a:p>
           <a:p>
             <a:pPr lvl="1"/>
@@ -6392,7 +6348,6 @@
               <a:rPr lang="en-GB" sz="1800" dirty="0" smtClean="0"/>
               <a:t>Are there very large data sets?</a:t>
             </a:r>
-            <a:endParaRPr lang="en-GB" sz="1800" dirty="0" smtClean="0"/>
           </a:p>
           <a:p>
             <a:pPr lvl="1"/>
@@ -6401,11 +6356,7 @@
           <a:p>
             <a:r>
               <a:rPr lang="en-GB" sz="2000" dirty="0" smtClean="0"/>
-              <a:t>Generalize </a:t>
-            </a:r>
-            <a:r>
-              <a:rPr lang="en-GB" sz="2000" dirty="0" smtClean="0"/>
-              <a:t>solution</a:t>
+              <a:t>Generalize solution</a:t>
             </a:r>
           </a:p>
           <a:p>
@@ -6414,7 +6365,6 @@
               <a:rPr lang="en-GB" sz="1800" dirty="0" smtClean="0"/>
               <a:t>Currently focussed on a 3D SCD scenario</a:t>
             </a:r>
-            <a:endParaRPr lang="en-GB" sz="1800" dirty="0" smtClean="0"/>
           </a:p>
           <a:p>
             <a:endParaRPr lang="en-GB" sz="2000" dirty="0"/>
@@ -6755,6 +6705,238 @@
     <p:extLst>
       <p:ext uri="{BB962C8B-B14F-4D97-AF65-F5344CB8AC3E}">
         <p14:creationId xmlns:p14="http://schemas.microsoft.com/office/powerpoint/2010/main" val="3332935700"/>
+      </p:ext>
+    </p:extLst>
+  </p:cSld>
+  <p:clrMapOvr>
+    <a:masterClrMapping/>
+  </p:clrMapOvr>
+  <p:timing>
+    <p:tnLst>
+      <p:par>
+        <p:cTn id="1" dur="indefinite" restart="never" nodeType="tmRoot"/>
+      </p:par>
+    </p:tnLst>
+  </p:timing>
+</p:sld>
+</file>
+
+<file path=ppt/slides/slide29.xml><?xml version="1.0" encoding="utf-8"?>
+<p:sld xmlns:a="http://schemas.openxmlformats.org/drawingml/2006/main" xmlns:r="http://schemas.openxmlformats.org/officeDocument/2006/relationships" xmlns:p="http://schemas.openxmlformats.org/presentationml/2006/main">
+  <p:cSld>
+    <p:spTree>
+      <p:nvGrpSpPr>
+        <p:cNvPr id="1" name=""/>
+        <p:cNvGrpSpPr/>
+        <p:nvPr/>
+      </p:nvGrpSpPr>
+      <p:grpSpPr>
+        <a:xfrm>
+          <a:off x="0" y="0"/>
+          <a:ext cx="0" cy="0"/>
+          <a:chOff x="0" y="0"/>
+          <a:chExt cx="0" cy="0"/>
+        </a:xfrm>
+      </p:grpSpPr>
+      <p:sp>
+        <p:nvSpPr>
+          <p:cNvPr id="2" name="Title 1"/>
+          <p:cNvSpPr>
+            <a:spLocks noGrp="1"/>
+          </p:cNvSpPr>
+          <p:nvPr>
+            <p:ph type="title"/>
+          </p:nvPr>
+        </p:nvSpPr>
+        <p:spPr/>
+        <p:txBody>
+          <a:bodyPr/>
+          <a:lstStyle/>
+          <a:p>
+            <a:r>
+              <a:rPr lang="en-GB" dirty="0" smtClean="0"/>
+              <a:t>Thanks</a:t>
+            </a:r>
+            <a:endParaRPr lang="en-GB" dirty="0"/>
+          </a:p>
+        </p:txBody>
+      </p:sp>
+      <p:sp>
+        <p:nvSpPr>
+          <p:cNvPr id="3" name="Slide Number Placeholder 2"/>
+          <p:cNvSpPr>
+            <a:spLocks noGrp="1"/>
+          </p:cNvSpPr>
+          <p:nvPr>
+            <p:ph type="sldNum" sz="quarter" idx="11"/>
+          </p:nvPr>
+        </p:nvSpPr>
+        <p:spPr/>
+        <p:txBody>
+          <a:bodyPr/>
+          <a:lstStyle/>
+          <a:p>
+            <a:fld id="{53221755-1974-484A-90A1-3D0ED6B05FD4}" type="slidenum">
+              <a:rPr lang="en-GB" smtClean="0"/>
+              <a:t>29</a:t>
+            </a:fld>
+            <a:endParaRPr lang="en-GB"/>
+          </a:p>
+        </p:txBody>
+      </p:sp>
+      <p:sp>
+        <p:nvSpPr>
+          <p:cNvPr id="4" name="Text Placeholder 3"/>
+          <p:cNvSpPr>
+            <a:spLocks noGrp="1"/>
+          </p:cNvSpPr>
+          <p:nvPr>
+            <p:ph type="body" sz="quarter" idx="12"/>
+          </p:nvPr>
+        </p:nvSpPr>
+        <p:spPr/>
+        <p:txBody>
+          <a:bodyPr/>
+          <a:lstStyle/>
+          <a:p>
+            <a:pPr marL="0" indent="0">
+              <a:buNone/>
+            </a:pPr>
+            <a:r>
+              <a:rPr lang="en-GB" sz="2000" dirty="0" smtClean="0"/>
+              <a:t>Experts contributing:</a:t>
+            </a:r>
+          </a:p>
+          <a:p>
+            <a:pPr lvl="1"/>
+            <a:r>
+              <a:rPr lang="en-GB" sz="1800" dirty="0" smtClean="0"/>
+              <a:t>ESS</a:t>
+            </a:r>
+          </a:p>
+          <a:p>
+            <a:pPr lvl="2"/>
+            <a:r>
+              <a:rPr lang="en-GB" sz="2000" dirty="0" err="1"/>
+              <a:t>Esko</a:t>
+            </a:r>
+            <a:r>
+              <a:rPr lang="en-GB" sz="2000" dirty="0"/>
+              <a:t> </a:t>
+            </a:r>
+            <a:r>
+              <a:rPr lang="en-GB" sz="2000" dirty="0" err="1" smtClean="0"/>
+              <a:t>Oksanen</a:t>
+            </a:r>
+            <a:r>
+              <a:rPr lang="en-GB" sz="2000" dirty="0" smtClean="0"/>
+              <a:t> (7/11/17)</a:t>
+            </a:r>
+          </a:p>
+          <a:p>
+            <a:pPr lvl="2"/>
+            <a:r>
+              <a:rPr lang="en-GB" sz="2000" dirty="0" smtClean="0"/>
+              <a:t>Xavier </a:t>
+            </a:r>
+            <a:r>
+              <a:rPr lang="en-GB" sz="2000" dirty="0" err="1" smtClean="0"/>
+              <a:t>Fabreges</a:t>
+            </a:r>
+            <a:r>
+              <a:rPr lang="en-GB" sz="2000" dirty="0" smtClean="0"/>
+              <a:t> (23/11/17)</a:t>
+            </a:r>
+          </a:p>
+          <a:p>
+            <a:pPr lvl="2"/>
+            <a:r>
+              <a:rPr lang="en-GB" sz="2000" dirty="0" smtClean="0"/>
+              <a:t>Pascale </a:t>
+            </a:r>
+            <a:r>
+              <a:rPr lang="en-GB" sz="2000" dirty="0" err="1" smtClean="0"/>
+              <a:t>Deen</a:t>
+            </a:r>
+            <a:r>
+              <a:rPr lang="en-GB" sz="2000" dirty="0" smtClean="0"/>
+              <a:t> (16/11/17)</a:t>
+            </a:r>
+          </a:p>
+          <a:p>
+            <a:pPr lvl="2"/>
+            <a:r>
+              <a:rPr lang="en-GB" sz="2000" dirty="0" smtClean="0"/>
+              <a:t>Thomas Rod (27/11/17)</a:t>
+            </a:r>
+            <a:endParaRPr lang="en-GB" dirty="0"/>
+          </a:p>
+          <a:p>
+            <a:pPr lvl="1"/>
+            <a:r>
+              <a:rPr lang="en-GB" sz="1800" dirty="0" smtClean="0"/>
+              <a:t>ISIS</a:t>
+            </a:r>
+          </a:p>
+          <a:p>
+            <a:pPr lvl="2"/>
+            <a:r>
+              <a:rPr lang="en-GB" sz="2000" dirty="0" smtClean="0"/>
+              <a:t>Pascal Manuel &amp; Fabio </a:t>
+            </a:r>
+            <a:r>
+              <a:rPr lang="en-GB" sz="2000" dirty="0" err="1" smtClean="0"/>
+              <a:t>Orlandi</a:t>
+            </a:r>
+            <a:r>
+              <a:rPr lang="en-GB" sz="2000" dirty="0" smtClean="0"/>
+              <a:t> (26/10/17)</a:t>
+            </a:r>
+          </a:p>
+          <a:p>
+            <a:pPr lvl="2"/>
+            <a:r>
+              <a:rPr lang="en-GB" sz="2000" dirty="0" smtClean="0"/>
+              <a:t>Alex Buts (31/10/17)</a:t>
+            </a:r>
+            <a:endParaRPr lang="en-GB" dirty="0"/>
+          </a:p>
+          <a:p>
+            <a:pPr lvl="1"/>
+            <a:r>
+              <a:rPr lang="en-GB" sz="1800" dirty="0" smtClean="0"/>
+              <a:t>SNS</a:t>
+            </a:r>
+          </a:p>
+          <a:p>
+            <a:pPr lvl="2"/>
+            <a:r>
+              <a:rPr lang="en-GB" sz="2000" dirty="0" smtClean="0"/>
+              <a:t>Vickie Lynch (24/10/17)</a:t>
+            </a:r>
+          </a:p>
+          <a:p>
+            <a:pPr lvl="2"/>
+            <a:r>
+              <a:rPr lang="en-GB" sz="2000" dirty="0" smtClean="0"/>
+              <a:t>Andrei </a:t>
+            </a:r>
+            <a:r>
+              <a:rPr lang="en-GB" sz="2000" dirty="0" err="1" smtClean="0"/>
+              <a:t>Savici</a:t>
+            </a:r>
+            <a:r>
+              <a:rPr lang="en-GB" sz="2000" dirty="0" smtClean="0"/>
+              <a:t> (24/10/2017)</a:t>
+            </a:r>
+            <a:endParaRPr lang="en-GB" sz="2000" dirty="0"/>
+          </a:p>
+        </p:txBody>
+      </p:sp>
+    </p:spTree>
+    <p:extLst>
+      <p:ext uri="{BB962C8B-B14F-4D97-AF65-F5344CB8AC3E}">
+        <p14:creationId xmlns:p14="http://schemas.microsoft.com/office/powerpoint/2010/main" val="220024824"/>
       </p:ext>
     </p:extLst>
   </p:cSld>
@@ -8597,14 +8779,7 @@
                           <a:latin typeface="Arial" panose="020B0604020202020204" pitchFamily="34" charset="0"/>
                           <a:cs typeface="Arial" panose="020B0604020202020204" pitchFamily="34" charset="0"/>
                         </a:rPr>
-                        <a:t>Reduce several data </a:t>
-                      </a:r>
-                      <a:r>
-                        <a:rPr lang="en-GB" sz="1700" dirty="0" smtClean="0">
-                          <a:latin typeface="Arial" panose="020B0604020202020204" pitchFamily="34" charset="0"/>
-                          <a:cs typeface="Arial" panose="020B0604020202020204" pitchFamily="34" charset="0"/>
-                        </a:rPr>
-                        <a:t>sets</a:t>
+                        <a:t>Reduce several data sets</a:t>
                       </a:r>
                       <a:endParaRPr lang="en-GB" sz="1700" dirty="0">
                         <a:latin typeface="Arial" panose="020B0604020202020204" pitchFamily="34" charset="0"/>
@@ -11173,6 +11348,19 @@
 </file>
 
 <file path=customXml/item1.xml><?xml version="1.0" encoding="utf-8"?>
+<?mso-contentType ?>
+<FormTemplates xmlns="http://schemas.microsoft.com/sharepoint/v3/contenttype/forms">
+  <Display>DocumentLibraryForm</Display>
+  <Edit>DocumentLibraryForm</Edit>
+  <New>DocumentLibraryForm</New>
+</FormTemplates>
+</file>
+
+<file path=customXml/item2.xml><?xml version="1.0" encoding="utf-8"?>
+<LongProperties xmlns="http://schemas.microsoft.com/office/2006/metadata/longProperties"/>
+</file>
+
+<file path=customXml/item3.xml><?xml version="1.0" encoding="utf-8"?>
 <ct:contentTypeSchema xmlns:ct="http://schemas.microsoft.com/office/2006/metadata/contentType" xmlns:ma="http://schemas.microsoft.com/office/2006/metadata/properties/metaAttributes" ct:_="" ma:_="" ma:contentTypeName="Document" ma:contentTypeID="0x0101009EABF215B8A3384E874FC40A3B0B2302" ma:contentTypeVersion="4" ma:contentTypeDescription="Create a new document." ma:contentTypeScope="" ma:versionID="f198c3dfa143f328b4bfb76fd905c4a6">
   <xsd:schema xmlns:xsd="http://www.w3.org/2001/XMLSchema" xmlns:xs="http://www.w3.org/2001/XMLSchema" xmlns:p="http://schemas.microsoft.com/office/2006/metadata/properties" xmlns:ns1="http://schemas.microsoft.com/sharepoint/v3" targetNamespace="http://schemas.microsoft.com/office/2006/metadata/properties" ma:root="true" ma:fieldsID="e66758ad48435124b95dc0df0729e689" ns1:_="">
     <xsd:import namespace="http://schemas.microsoft.com/sharepoint/v3"/>
@@ -11304,19 +11492,6 @@
 </ct:contentTypeSchema>
 </file>
 
-<file path=customXml/item2.xml><?xml version="1.0" encoding="utf-8"?>
-<LongProperties xmlns="http://schemas.microsoft.com/office/2006/metadata/longProperties"/>
-</file>
-
-<file path=customXml/item3.xml><?xml version="1.0" encoding="utf-8"?>
-<?mso-contentType ?>
-<FormTemplates xmlns="http://schemas.microsoft.com/sharepoint/v3/contenttype/forms">
-  <Display>DocumentLibraryForm</Display>
-  <Edit>DocumentLibraryForm</Edit>
-  <New>DocumentLibraryForm</New>
-</FormTemplates>
-</file>
-
 <file path=customXml/item4.xml><?xml version="1.0" encoding="utf-8"?>
 <p:properties xmlns:p="http://schemas.microsoft.com/office/2006/metadata/properties" xmlns:xsi="http://www.w3.org/2001/XMLSchema-instance" xmlns:pc="http://schemas.microsoft.com/office/infopath/2007/PartnerControls">
   <documentManagement>
@@ -11327,6 +11502,22 @@
 </file>
 
 <file path=customXml/itemProps1.xml><?xml version="1.0" encoding="utf-8"?>
+<ds:datastoreItem xmlns:ds="http://schemas.openxmlformats.org/officeDocument/2006/customXml" ds:itemID="{2AEDD1CD-9190-4F8F-B585-354F10A56AC8}">
+  <ds:schemaRefs>
+    <ds:schemaRef ds:uri="http://schemas.microsoft.com/sharepoint/v3/contenttype/forms"/>
+  </ds:schemaRefs>
+</ds:datastoreItem>
+</file>
+
+<file path=customXml/itemProps2.xml><?xml version="1.0" encoding="utf-8"?>
+<ds:datastoreItem xmlns:ds="http://schemas.openxmlformats.org/officeDocument/2006/customXml" ds:itemID="{27E48F0D-BF64-462E-8350-40C896A295A7}">
+  <ds:schemaRefs>
+    <ds:schemaRef ds:uri="http://schemas.microsoft.com/office/2006/metadata/longProperties"/>
+  </ds:schemaRefs>
+</ds:datastoreItem>
+</file>
+
+<file path=customXml/itemProps3.xml><?xml version="1.0" encoding="utf-8"?>
 <ds:datastoreItem xmlns:ds="http://schemas.openxmlformats.org/officeDocument/2006/customXml" ds:itemID="{43DFA70B-2EBB-489B-8E34-F6A10FA68532}">
   <ds:schemaRefs>
     <ds:schemaRef ds:uri="http://schemas.microsoft.com/office/2006/metadata/contentType"/>
@@ -11340,22 +11531,6 @@
     <ds:schemaRef ds:uri="http://purl.org/dc/elements/1.1/"/>
     <ds:schemaRef ds:uri="http://purl.org/dc/terms/"/>
     <ds:schemaRef ds:uri="http://schemas.microsoft.com/internal/obd"/>
-  </ds:schemaRefs>
-</ds:datastoreItem>
-</file>
-
-<file path=customXml/itemProps2.xml><?xml version="1.0" encoding="utf-8"?>
-<ds:datastoreItem xmlns:ds="http://schemas.openxmlformats.org/officeDocument/2006/customXml" ds:itemID="{27E48F0D-BF64-462E-8350-40C896A295A7}">
-  <ds:schemaRefs>
-    <ds:schemaRef ds:uri="http://schemas.microsoft.com/office/2006/metadata/longProperties"/>
-  </ds:schemaRefs>
-</ds:datastoreItem>
-</file>
-
-<file path=customXml/itemProps3.xml><?xml version="1.0" encoding="utf-8"?>
-<ds:datastoreItem xmlns:ds="http://schemas.openxmlformats.org/officeDocument/2006/customXml" ds:itemID="{2AEDD1CD-9190-4F8F-B585-354F10A56AC8}">
-  <ds:schemaRefs>
-    <ds:schemaRef ds:uri="http://schemas.microsoft.com/sharepoint/v3/contenttype/forms"/>
   </ds:schemaRefs>
 </ds:datastoreItem>
 </file>

--- a/investigations/MultiDimensionalInvestigation/presentation/distributed_data_reduction_of_multi_dimensional_data.pptx
+++ b/investigations/MultiDimensionalInvestigation/presentation/distributed_data_reduction_of_multi_dimensional_data.pptx
@@ -3053,9 +3053,63 @@
               <a:rPr lang="en-GB" sz="2000" dirty="0" smtClean="0">
                 <a:sym typeface="Wingdings" panose="05000000000000000000" pitchFamily="2" charset="2"/>
               </a:rPr>
-              <a:t>)</a:t>
-            </a:r>
-            <a:endParaRPr lang="en-GB" sz="2000" dirty="0">
+              <a:t>) and make </a:t>
+            </a:r>
+            <a:r>
+              <a:rPr lang="en-GB" sz="2000" i="1" dirty="0" err="1" smtClean="0">
+                <a:sym typeface="Wingdings" panose="05000000000000000000" pitchFamily="2" charset="2"/>
+              </a:rPr>
+              <a:t>IntegreateEllipsoids</a:t>
+            </a:r>
+            <a:r>
+              <a:rPr lang="en-GB" sz="2000" i="1" dirty="0" smtClean="0">
+                <a:sym typeface="Wingdings" panose="05000000000000000000" pitchFamily="2" charset="2"/>
+              </a:rPr>
+              <a:t>, </a:t>
+            </a:r>
+            <a:r>
+              <a:rPr lang="en-GB" sz="2000" i="1" dirty="0" err="1" smtClean="0">
+                <a:sym typeface="Wingdings" panose="05000000000000000000" pitchFamily="2" charset="2"/>
+              </a:rPr>
+              <a:t>FindSXPeaks</a:t>
+            </a:r>
+            <a:r>
+              <a:rPr lang="en-GB" sz="2000" i="1" dirty="0" smtClean="0">
+                <a:sym typeface="Wingdings" panose="05000000000000000000" pitchFamily="2" charset="2"/>
+              </a:rPr>
+              <a:t> </a:t>
+            </a:r>
+            <a:r>
+              <a:rPr lang="en-GB" sz="2000" dirty="0" smtClean="0">
+                <a:sym typeface="Wingdings" panose="05000000000000000000" pitchFamily="2" charset="2"/>
+              </a:rPr>
+              <a:t>and</a:t>
+            </a:r>
+            <a:r>
+              <a:rPr lang="en-GB" sz="2000" i="1" dirty="0" smtClean="0">
+                <a:sym typeface="Wingdings" panose="05000000000000000000" pitchFamily="2" charset="2"/>
+              </a:rPr>
+              <a:t> </a:t>
+            </a:r>
+            <a:r>
+              <a:rPr lang="en-GB" sz="2000" i="1" dirty="0" err="1">
+                <a:sym typeface="Wingdings" panose="05000000000000000000" pitchFamily="2" charset="2"/>
+              </a:rPr>
+              <a:t>IntegratePeaksMD</a:t>
+            </a:r>
+            <a:r>
+              <a:rPr lang="en-GB" sz="2000" dirty="0">
+                <a:sym typeface="Wingdings" panose="05000000000000000000" pitchFamily="2" charset="2"/>
+              </a:rPr>
+              <a:t> </a:t>
+            </a:r>
+            <a:r>
+              <a:rPr lang="en-GB" sz="2000" dirty="0" smtClean="0">
+                <a:sym typeface="Wingdings" panose="05000000000000000000" pitchFamily="2" charset="2"/>
+              </a:rPr>
+              <a:t> MPI-compatible.</a:t>
+            </a:r>
+            <a:endParaRPr lang="en-GB" sz="2000" dirty="0" smtClean="0">
               <a:sym typeface="Wingdings" panose="05000000000000000000" pitchFamily="2" charset="2"/>
             </a:endParaRPr>
           </a:p>
@@ -4803,8 +4857,8 @@
         </p:blipFill>
         <p:spPr bwMode="auto">
           <a:xfrm>
-            <a:off x="2663488" y="2399535"/>
-            <a:ext cx="3564696" cy="2372143"/>
+            <a:off x="2123728" y="2060848"/>
+            <a:ext cx="4248472" cy="2827165"/>
           </a:xfrm>
           <a:prstGeom prst="rect">
             <a:avLst/>
@@ -5173,7 +5227,11 @@
             </a:br>
             <a:r>
               <a:rPr lang="en-GB" sz="2000" dirty="0" smtClean="0"/>
-              <a:t>Needs to be prototyped</a:t>
+              <a:t>Needs to be </a:t>
+            </a:r>
+            <a:r>
+              <a:rPr lang="en-GB" sz="2000" dirty="0" smtClean="0"/>
+              <a:t>investigated and prototyped</a:t>
             </a:r>
             <a:r>
               <a:rPr lang="en-GB" sz="2000" b="1" dirty="0" smtClean="0"/>
@@ -6195,7 +6253,37 @@
               <a:rPr lang="en-GB" sz="2000" dirty="0" smtClean="0">
                 <a:sym typeface="Wingdings" panose="05000000000000000000" pitchFamily="2" charset="2"/>
               </a:rPr>
-              <a:t> for file-backed mode is possible for read-only files is possible, but not implemented. </a:t>
+              <a:t> for file-backed mode is possible for read-only files </a:t>
+            </a:r>
+            <a:r>
+              <a:rPr lang="en-GB" sz="2000" dirty="0" smtClean="0">
+                <a:sym typeface="Wingdings" panose="05000000000000000000" pitchFamily="2" charset="2"/>
+              </a:rPr>
+              <a:t>might be</a:t>
+            </a:r>
+            <a:r>
+              <a:rPr lang="en-GB" sz="2000" dirty="0" smtClean="0">
+                <a:sym typeface="Wingdings" panose="05000000000000000000" pitchFamily="2" charset="2"/>
+              </a:rPr>
+              <a:t> possible</a:t>
+            </a:r>
+            <a:r>
+              <a:rPr lang="en-GB" sz="2000" dirty="0">
+                <a:sym typeface="Wingdings" panose="05000000000000000000" pitchFamily="2" charset="2"/>
+              </a:rPr>
+              <a:t> </a:t>
+            </a:r>
+            <a:r>
+              <a:rPr lang="en-GB" sz="2000" dirty="0" smtClean="0">
+                <a:sym typeface="Wingdings" panose="05000000000000000000" pitchFamily="2" charset="2"/>
+              </a:rPr>
+              <a:t>using multiple processes</a:t>
+            </a:r>
+            <a:r>
+              <a:rPr lang="en-GB" sz="2000" dirty="0" smtClean="0">
+                <a:sym typeface="Wingdings" panose="05000000000000000000" pitchFamily="2" charset="2"/>
+              </a:rPr>
+              <a:t>. </a:t>
             </a:r>
             <a:endParaRPr lang="en-GB" sz="1200" dirty="0"/>
           </a:p>
@@ -6254,8 +6342,16 @@
           <a:lstStyle/>
           <a:p>
             <a:r>
+              <a:rPr lang="en-GB" dirty="0"/>
+              <a:t>N</a:t>
+            </a:r>
+            <a:r>
               <a:rPr lang="en-GB" dirty="0" smtClean="0"/>
-              <a:t>Immediate next steps</a:t>
+              <a:t>ext </a:t>
+            </a:r>
+            <a:r>
+              <a:rPr lang="en-GB" dirty="0" smtClean="0"/>
+              <a:t>steps</a:t>
             </a:r>
             <a:endParaRPr lang="en-GB" dirty="0"/>
           </a:p>
@@ -6300,12 +6396,16 @@
           <a:lstStyle/>
           <a:p>
             <a:r>
+              <a:rPr lang="en-GB" sz="2000" dirty="0" smtClean="0"/>
+              <a:t>Investigate parallel </a:t>
+            </a:r>
+            <a:r>
               <a:rPr lang="en-GB" sz="2000" dirty="0"/>
-              <a:t>Develop prototype for parallel HDF5 file </a:t>
+              <a:t>HDF5 file </a:t>
             </a:r>
             <a:r>
               <a:rPr lang="en-GB" sz="2000" dirty="0" smtClean="0"/>
-              <a:t>saving</a:t>
+              <a:t>saving and develop prototype</a:t>
             </a:r>
             <a:endParaRPr lang="en-GB" sz="2000" dirty="0"/>
           </a:p>
@@ -6445,7 +6545,11 @@
           <a:p>
             <a:r>
               <a:rPr lang="en-GB" dirty="0" smtClean="0"/>
-              <a:t>Non-immediate next steps</a:t>
+              <a:t>Further </a:t>
+            </a:r>
+            <a:r>
+              <a:rPr lang="en-GB" dirty="0" smtClean="0"/>
+              <a:t>steps</a:t>
             </a:r>
             <a:endParaRPr lang="en-GB" dirty="0"/>
           </a:p>
@@ -6522,7 +6626,11 @@
             <a:pPr lvl="1"/>
             <a:r>
               <a:rPr lang="en-GB" sz="1800" dirty="0" smtClean="0"/>
-              <a:t>Develop non-generic, parallel </a:t>
+              <a:t>Develop </a:t>
+            </a:r>
+            <a:r>
+              <a:rPr lang="en-GB" sz="1800" dirty="0" smtClean="0"/>
+              <a:t>parallel </a:t>
             </a:r>
             <a:r>
               <a:rPr lang="en-GB" sz="1800" dirty="0" err="1" smtClean="0"/>
@@ -6530,8 +6638,21 @@
             </a:r>
             <a:r>
               <a:rPr lang="en-GB" sz="1800" dirty="0" smtClean="0"/>
-              <a:t> in file-backed mode. </a:t>
-            </a:r>
+              <a:t> in file-backed </a:t>
+            </a:r>
+            <a:r>
+              <a:rPr lang="en-GB" sz="1800" dirty="0" smtClean="0"/>
+              <a:t>mode</a:t>
+            </a:r>
+            <a:r>
+              <a:rPr lang="en-GB" sz="1800" dirty="0"/>
+              <a:t> </a:t>
+            </a:r>
+            <a:r>
+              <a:rPr lang="en-GB" sz="1800" dirty="0" smtClean="0"/>
+              <a:t>(for read-only data)</a:t>
+            </a:r>
+            <a:endParaRPr lang="en-GB" sz="1800" dirty="0" smtClean="0"/>
           </a:p>
           <a:p>
             <a:pPr marL="457200" lvl="1" indent="0">
@@ -6650,7 +6771,12 @@
             <p:ph type="body" sz="quarter" idx="12"/>
           </p:nvPr>
         </p:nvSpPr>
-        <p:spPr/>
+        <p:spPr>
+          <a:xfrm>
+            <a:off x="755576" y="1124744"/>
+            <a:ext cx="8136904" cy="4391819"/>
+          </a:xfrm>
+        </p:spPr>
         <p:txBody>
           <a:bodyPr/>
           <a:lstStyle/>
@@ -6687,17 +6813,22 @@
               <a:rPr lang="en-GB" dirty="0"/>
               <a:t>repository: </a:t>
             </a:r>
+            <a:endParaRPr lang="en-GB" dirty="0" smtClean="0"/>
+          </a:p>
+          <a:p>
+            <a:r>
+              <a:rPr lang="en-GB" sz="1600" dirty="0" smtClean="0"/>
+              <a:t>https</a:t>
+            </a:r>
             <a:r>
               <a:rPr lang="en-GB" sz="1600" dirty="0"/>
-              <a:t>https://github.com/mantidproject/mantid/tree/distributed_md_event_prototype</a:t>
-            </a:r>
-            <a:endParaRPr lang="en-GB" sz="1600" dirty="0" smtClean="0"/>
-          </a:p>
-          <a:p>
-            <a:pPr marL="0" indent="0">
-              <a:buNone/>
-            </a:pPr>
-            <a:endParaRPr lang="en-GB" dirty="0"/>
+              <a:t>://</a:t>
+            </a:r>
+            <a:r>
+              <a:rPr lang="en-GB" sz="1600" dirty="0" smtClean="0"/>
+              <a:t>github.com/DMSC-Instrument-Data/mantid/tree/DistributedMDEventPrototype</a:t>
+            </a:r>
+            <a:endParaRPr lang="en-GB" sz="1600" dirty="0"/>
           </a:p>
         </p:txBody>
       </p:sp>
@@ -7435,7 +7566,7 @@
         <p:grpSpPr>
           <a:xfrm>
             <a:off x="1094576" y="2636912"/>
-            <a:ext cx="3405416" cy="2736304"/>
+            <a:ext cx="3621440" cy="2880320"/>
             <a:chOff x="2267742" y="3861048"/>
             <a:chExt cx="3096346" cy="2401484"/>
           </a:xfrm>
@@ -11348,19 +11479,6 @@
 </file>
 
 <file path=customXml/item1.xml><?xml version="1.0" encoding="utf-8"?>
-<?mso-contentType ?>
-<FormTemplates xmlns="http://schemas.microsoft.com/sharepoint/v3/contenttype/forms">
-  <Display>DocumentLibraryForm</Display>
-  <Edit>DocumentLibraryForm</Edit>
-  <New>DocumentLibraryForm</New>
-</FormTemplates>
-</file>
-
-<file path=customXml/item2.xml><?xml version="1.0" encoding="utf-8"?>
-<LongProperties xmlns="http://schemas.microsoft.com/office/2006/metadata/longProperties"/>
-</file>
-
-<file path=customXml/item3.xml><?xml version="1.0" encoding="utf-8"?>
 <ct:contentTypeSchema xmlns:ct="http://schemas.microsoft.com/office/2006/metadata/contentType" xmlns:ma="http://schemas.microsoft.com/office/2006/metadata/properties/metaAttributes" ct:_="" ma:_="" ma:contentTypeName="Document" ma:contentTypeID="0x0101009EABF215B8A3384E874FC40A3B0B2302" ma:contentTypeVersion="4" ma:contentTypeDescription="Create a new document." ma:contentTypeScope="" ma:versionID="f198c3dfa143f328b4bfb76fd905c4a6">
   <xsd:schema xmlns:xsd="http://www.w3.org/2001/XMLSchema" xmlns:xs="http://www.w3.org/2001/XMLSchema" xmlns:p="http://schemas.microsoft.com/office/2006/metadata/properties" xmlns:ns1="http://schemas.microsoft.com/sharepoint/v3" targetNamespace="http://schemas.microsoft.com/office/2006/metadata/properties" ma:root="true" ma:fieldsID="e66758ad48435124b95dc0df0729e689" ns1:_="">
     <xsd:import namespace="http://schemas.microsoft.com/sharepoint/v3"/>
@@ -11492,6 +11610,19 @@
 </ct:contentTypeSchema>
 </file>
 
+<file path=customXml/item2.xml><?xml version="1.0" encoding="utf-8"?>
+<LongProperties xmlns="http://schemas.microsoft.com/office/2006/metadata/longProperties"/>
+</file>
+
+<file path=customXml/item3.xml><?xml version="1.0" encoding="utf-8"?>
+<?mso-contentType ?>
+<FormTemplates xmlns="http://schemas.microsoft.com/sharepoint/v3/contenttype/forms">
+  <Display>DocumentLibraryForm</Display>
+  <Edit>DocumentLibraryForm</Edit>
+  <New>DocumentLibraryForm</New>
+</FormTemplates>
+</file>
+
 <file path=customXml/item4.xml><?xml version="1.0" encoding="utf-8"?>
 <p:properties xmlns:p="http://schemas.microsoft.com/office/2006/metadata/properties" xmlns:xsi="http://www.w3.org/2001/XMLSchema-instance" xmlns:pc="http://schemas.microsoft.com/office/infopath/2007/PartnerControls">
   <documentManagement>
@@ -11502,9 +11633,19 @@
 </file>
 
 <file path=customXml/itemProps1.xml><?xml version="1.0" encoding="utf-8"?>
-<ds:datastoreItem xmlns:ds="http://schemas.openxmlformats.org/officeDocument/2006/customXml" ds:itemID="{2AEDD1CD-9190-4F8F-B585-354F10A56AC8}">
+<ds:datastoreItem xmlns:ds="http://schemas.openxmlformats.org/officeDocument/2006/customXml" ds:itemID="{43DFA70B-2EBB-489B-8E34-F6A10FA68532}">
   <ds:schemaRefs>
-    <ds:schemaRef ds:uri="http://schemas.microsoft.com/sharepoint/v3/contenttype/forms"/>
+    <ds:schemaRef ds:uri="http://schemas.microsoft.com/office/2006/metadata/contentType"/>
+    <ds:schemaRef ds:uri="http://schemas.microsoft.com/office/2006/metadata/properties/metaAttributes"/>
+    <ds:schemaRef ds:uri="http://www.w3.org/2001/XMLSchema"/>
+    <ds:schemaRef ds:uri="http://schemas.microsoft.com/office/2006/metadata/properties"/>
+    <ds:schemaRef ds:uri="http://schemas.microsoft.com/sharepoint/v3"/>
+    <ds:schemaRef ds:uri="http://schemas.microsoft.com/office/2006/documentManagement/types"/>
+    <ds:schemaRef ds:uri="http://schemas.microsoft.com/office/infopath/2007/PartnerControls"/>
+    <ds:schemaRef ds:uri="http://schemas.openxmlformats.org/package/2006/metadata/core-properties"/>
+    <ds:schemaRef ds:uri="http://purl.org/dc/elements/1.1/"/>
+    <ds:schemaRef ds:uri="http://purl.org/dc/terms/"/>
+    <ds:schemaRef ds:uri="http://schemas.microsoft.com/internal/obd"/>
   </ds:schemaRefs>
 </ds:datastoreItem>
 </file>
@@ -11518,19 +11659,9 @@
 </file>
 
 <file path=customXml/itemProps3.xml><?xml version="1.0" encoding="utf-8"?>
-<ds:datastoreItem xmlns:ds="http://schemas.openxmlformats.org/officeDocument/2006/customXml" ds:itemID="{43DFA70B-2EBB-489B-8E34-F6A10FA68532}">
+<ds:datastoreItem xmlns:ds="http://schemas.openxmlformats.org/officeDocument/2006/customXml" ds:itemID="{2AEDD1CD-9190-4F8F-B585-354F10A56AC8}">
   <ds:schemaRefs>
-    <ds:schemaRef ds:uri="http://schemas.microsoft.com/office/2006/metadata/contentType"/>
-    <ds:schemaRef ds:uri="http://schemas.microsoft.com/office/2006/metadata/properties/metaAttributes"/>
-    <ds:schemaRef ds:uri="http://www.w3.org/2001/XMLSchema"/>
-    <ds:schemaRef ds:uri="http://schemas.microsoft.com/office/2006/metadata/properties"/>
-    <ds:schemaRef ds:uri="http://schemas.microsoft.com/sharepoint/v3"/>
-    <ds:schemaRef ds:uri="http://schemas.microsoft.com/office/2006/documentManagement/types"/>
-    <ds:schemaRef ds:uri="http://schemas.microsoft.com/office/infopath/2007/PartnerControls"/>
-    <ds:schemaRef ds:uri="http://schemas.openxmlformats.org/package/2006/metadata/core-properties"/>
-    <ds:schemaRef ds:uri="http://purl.org/dc/elements/1.1/"/>
-    <ds:schemaRef ds:uri="http://purl.org/dc/terms/"/>
-    <ds:schemaRef ds:uri="http://schemas.microsoft.com/internal/obd"/>
+    <ds:schemaRef ds:uri="http://schemas.microsoft.com/sharepoint/v3/contenttype/forms"/>
   </ds:schemaRefs>
 </ds:datastoreItem>
 </file>
